--- a/TODO.pptx
+++ b/TODO.pptx
@@ -8,6 +8,20 @@
     <p:sldId id="256" r:id="rId2"/>
     <p:sldId id="257" r:id="rId3"/>
     <p:sldId id="258" r:id="rId4"/>
+    <p:sldId id="259" r:id="rId5"/>
+    <p:sldId id="260" r:id="rId6"/>
+    <p:sldId id="261" r:id="rId7"/>
+    <p:sldId id="262" r:id="rId8"/>
+    <p:sldId id="263" r:id="rId9"/>
+    <p:sldId id="272" r:id="rId10"/>
+    <p:sldId id="264" r:id="rId11"/>
+    <p:sldId id="266" r:id="rId12"/>
+    <p:sldId id="265" r:id="rId13"/>
+    <p:sldId id="269" r:id="rId14"/>
+    <p:sldId id="267" r:id="rId15"/>
+    <p:sldId id="268" r:id="rId16"/>
+    <p:sldId id="270" r:id="rId17"/>
+    <p:sldId id="271" r:id="rId18"/>
   </p:sldIdLst>
   <p:sldSz cx="12192000" cy="6858000"/>
   <p:notesSz cx="6858000" cy="9144000"/>
@@ -106,6 +120,11 @@
       </a:defRPr>
     </a:lvl9pPr>
   </p:defaultTextStyle>
+  <p:extLst>
+    <p:ext uri="{EFAFB233-063F-42B5-8137-9DF3F51BA10A}">
+      <p15:sldGuideLst xmlns:p15="http://schemas.microsoft.com/office/powerpoint/2012/main"/>
+    </p:ext>
+  </p:extLst>
 </p:presentation>
 </file>
 
@@ -256,7 +275,7 @@
           <a:p>
             <a:fld id="{D2109A1B-E7AF-4F65-A5D5-0ED1D2FF52B9}" type="datetimeFigureOut">
               <a:rPr lang="tr-TR" smtClean="0"/>
-              <a:t>11.01.2025</a:t>
+              <a:t>12.01.2025</a:t>
             </a:fld>
             <a:endParaRPr lang="tr-TR"/>
           </a:p>
@@ -454,7 +473,7 @@
           <a:p>
             <a:fld id="{D2109A1B-E7AF-4F65-A5D5-0ED1D2FF52B9}" type="datetimeFigureOut">
               <a:rPr lang="tr-TR" smtClean="0"/>
-              <a:t>11.01.2025</a:t>
+              <a:t>12.01.2025</a:t>
             </a:fld>
             <a:endParaRPr lang="tr-TR"/>
           </a:p>
@@ -662,7 +681,7 @@
           <a:p>
             <a:fld id="{D2109A1B-E7AF-4F65-A5D5-0ED1D2FF52B9}" type="datetimeFigureOut">
               <a:rPr lang="tr-TR" smtClean="0"/>
-              <a:t>11.01.2025</a:t>
+              <a:t>12.01.2025</a:t>
             </a:fld>
             <a:endParaRPr lang="tr-TR"/>
           </a:p>
@@ -860,7 +879,7 @@
           <a:p>
             <a:fld id="{D2109A1B-E7AF-4F65-A5D5-0ED1D2FF52B9}" type="datetimeFigureOut">
               <a:rPr lang="tr-TR" smtClean="0"/>
-              <a:t>11.01.2025</a:t>
+              <a:t>12.01.2025</a:t>
             </a:fld>
             <a:endParaRPr lang="tr-TR"/>
           </a:p>
@@ -1135,7 +1154,7 @@
           <a:p>
             <a:fld id="{D2109A1B-E7AF-4F65-A5D5-0ED1D2FF52B9}" type="datetimeFigureOut">
               <a:rPr lang="tr-TR" smtClean="0"/>
-              <a:t>11.01.2025</a:t>
+              <a:t>12.01.2025</a:t>
             </a:fld>
             <a:endParaRPr lang="tr-TR"/>
           </a:p>
@@ -1400,7 +1419,7 @@
           <a:p>
             <a:fld id="{D2109A1B-E7AF-4F65-A5D5-0ED1D2FF52B9}" type="datetimeFigureOut">
               <a:rPr lang="tr-TR" smtClean="0"/>
-              <a:t>11.01.2025</a:t>
+              <a:t>12.01.2025</a:t>
             </a:fld>
             <a:endParaRPr lang="tr-TR"/>
           </a:p>
@@ -1812,7 +1831,7 @@
           <a:p>
             <a:fld id="{D2109A1B-E7AF-4F65-A5D5-0ED1D2FF52B9}" type="datetimeFigureOut">
               <a:rPr lang="tr-TR" smtClean="0"/>
-              <a:t>11.01.2025</a:t>
+              <a:t>12.01.2025</a:t>
             </a:fld>
             <a:endParaRPr lang="tr-TR"/>
           </a:p>
@@ -1953,7 +1972,7 @@
           <a:p>
             <a:fld id="{D2109A1B-E7AF-4F65-A5D5-0ED1D2FF52B9}" type="datetimeFigureOut">
               <a:rPr lang="tr-TR" smtClean="0"/>
-              <a:t>11.01.2025</a:t>
+              <a:t>12.01.2025</a:t>
             </a:fld>
             <a:endParaRPr lang="tr-TR"/>
           </a:p>
@@ -2066,7 +2085,7 @@
           <a:p>
             <a:fld id="{D2109A1B-E7AF-4F65-A5D5-0ED1D2FF52B9}" type="datetimeFigureOut">
               <a:rPr lang="tr-TR" smtClean="0"/>
-              <a:t>11.01.2025</a:t>
+              <a:t>12.01.2025</a:t>
             </a:fld>
             <a:endParaRPr lang="tr-TR"/>
           </a:p>
@@ -2377,7 +2396,7 @@
           <a:p>
             <a:fld id="{D2109A1B-E7AF-4F65-A5D5-0ED1D2FF52B9}" type="datetimeFigureOut">
               <a:rPr lang="tr-TR" smtClean="0"/>
-              <a:t>11.01.2025</a:t>
+              <a:t>12.01.2025</a:t>
             </a:fld>
             <a:endParaRPr lang="tr-TR"/>
           </a:p>
@@ -2665,7 +2684,7 @@
           <a:p>
             <a:fld id="{D2109A1B-E7AF-4F65-A5D5-0ED1D2FF52B9}" type="datetimeFigureOut">
               <a:rPr lang="tr-TR" smtClean="0"/>
-              <a:t>11.01.2025</a:t>
+              <a:t>12.01.2025</a:t>
             </a:fld>
             <a:endParaRPr lang="tr-TR"/>
           </a:p>
@@ -2906,7 +2925,7 @@
           <a:p>
             <a:fld id="{D2109A1B-E7AF-4F65-A5D5-0ED1D2FF52B9}" type="datetimeFigureOut">
               <a:rPr lang="tr-TR" smtClean="0"/>
-              <a:t>11.01.2025</a:t>
+              <a:t>12.01.2025</a:t>
             </a:fld>
             <a:endParaRPr lang="tr-TR"/>
           </a:p>
@@ -3364,6 +3383,511 @@
 </p:sld>
 </file>
 
+<file path=ppt/slides/slide10.xml><?xml version="1.0" encoding="utf-8"?>
+<p:sld xmlns:a="http://schemas.openxmlformats.org/drawingml/2006/main" xmlns:r="http://schemas.openxmlformats.org/officeDocument/2006/relationships" xmlns:p="http://schemas.openxmlformats.org/presentationml/2006/main">
+  <p:cSld>
+    <p:spTree>
+      <p:nvGrpSpPr>
+        <p:cNvPr id="1" name=""/>
+        <p:cNvGrpSpPr/>
+        <p:nvPr/>
+      </p:nvGrpSpPr>
+      <p:grpSpPr>
+        <a:xfrm>
+          <a:off x="0" y="0"/>
+          <a:ext cx="0" cy="0"/>
+          <a:chOff x="0" y="0"/>
+          <a:chExt cx="0" cy="0"/>
+        </a:xfrm>
+      </p:grpSpPr>
+      <p:pic>
+        <p:nvPicPr>
+          <p:cNvPr id="14" name="Resim 13">
+            <a:extLst>
+              <a:ext uri="{FF2B5EF4-FFF2-40B4-BE49-F238E27FC236}">
+                <a16:creationId xmlns:a16="http://schemas.microsoft.com/office/drawing/2014/main" id="{B9332E55-FECE-37FD-809B-4A0E9B4F6212}"/>
+              </a:ext>
+            </a:extLst>
+          </p:cNvPr>
+          <p:cNvPicPr>
+            <a:picLocks noChangeAspect="1"/>
+          </p:cNvPicPr>
+          <p:nvPr/>
+        </p:nvPicPr>
+        <p:blipFill>
+          <a:blip r:embed="rId2"/>
+          <a:stretch>
+            <a:fillRect/>
+          </a:stretch>
+        </p:blipFill>
+        <p:spPr>
+          <a:xfrm>
+            <a:off x="750277" y="285329"/>
+            <a:ext cx="10691446" cy="6287341"/>
+          </a:xfrm>
+          <a:prstGeom prst="rect">
+            <a:avLst/>
+          </a:prstGeom>
+        </p:spPr>
+      </p:pic>
+    </p:spTree>
+    <p:extLst>
+      <p:ext uri="{BB962C8B-B14F-4D97-AF65-F5344CB8AC3E}">
+        <p14:creationId xmlns:p14="http://schemas.microsoft.com/office/powerpoint/2010/main" val="2304697410"/>
+      </p:ext>
+    </p:extLst>
+  </p:cSld>
+  <p:clrMapOvr>
+    <a:masterClrMapping/>
+  </p:clrMapOvr>
+</p:sld>
+</file>
+
+<file path=ppt/slides/slide11.xml><?xml version="1.0" encoding="utf-8"?>
+<p:sld xmlns:a="http://schemas.openxmlformats.org/drawingml/2006/main" xmlns:r="http://schemas.openxmlformats.org/officeDocument/2006/relationships" xmlns:p="http://schemas.openxmlformats.org/presentationml/2006/main">
+  <p:cSld>
+    <p:spTree>
+      <p:nvGrpSpPr>
+        <p:cNvPr id="1" name=""/>
+        <p:cNvGrpSpPr/>
+        <p:nvPr/>
+      </p:nvGrpSpPr>
+      <p:grpSpPr>
+        <a:xfrm>
+          <a:off x="0" y="0"/>
+          <a:ext cx="0" cy="0"/>
+          <a:chOff x="0" y="0"/>
+          <a:chExt cx="0" cy="0"/>
+        </a:xfrm>
+      </p:grpSpPr>
+      <p:pic>
+        <p:nvPicPr>
+          <p:cNvPr id="13" name="Resim 12">
+            <a:extLst>
+              <a:ext uri="{FF2B5EF4-FFF2-40B4-BE49-F238E27FC236}">
+                <a16:creationId xmlns:a16="http://schemas.microsoft.com/office/drawing/2014/main" id="{F3943387-4921-2D0A-9D7A-51D49A3AF2CA}"/>
+              </a:ext>
+            </a:extLst>
+          </p:cNvPr>
+          <p:cNvPicPr>
+            <a:picLocks noChangeAspect="1"/>
+          </p:cNvPicPr>
+          <p:nvPr/>
+        </p:nvPicPr>
+        <p:blipFill>
+          <a:blip r:embed="rId2"/>
+          <a:stretch>
+            <a:fillRect/>
+          </a:stretch>
+        </p:blipFill>
+        <p:spPr>
+          <a:xfrm>
+            <a:off x="823965" y="1567543"/>
+            <a:ext cx="10847454" cy="3928499"/>
+          </a:xfrm>
+          <a:prstGeom prst="rect">
+            <a:avLst/>
+          </a:prstGeom>
+        </p:spPr>
+      </p:pic>
+    </p:spTree>
+    <p:extLst>
+      <p:ext uri="{BB962C8B-B14F-4D97-AF65-F5344CB8AC3E}">
+        <p14:creationId xmlns:p14="http://schemas.microsoft.com/office/powerpoint/2010/main" val="2591830515"/>
+      </p:ext>
+    </p:extLst>
+  </p:cSld>
+  <p:clrMapOvr>
+    <a:masterClrMapping/>
+  </p:clrMapOvr>
+</p:sld>
+</file>
+
+<file path=ppt/slides/slide12.xml><?xml version="1.0" encoding="utf-8"?>
+<p:sld xmlns:a="http://schemas.openxmlformats.org/drawingml/2006/main" xmlns:r="http://schemas.openxmlformats.org/officeDocument/2006/relationships" xmlns:p="http://schemas.openxmlformats.org/presentationml/2006/main">
+  <p:cSld>
+    <p:spTree>
+      <p:nvGrpSpPr>
+        <p:cNvPr id="1" name=""/>
+        <p:cNvGrpSpPr/>
+        <p:nvPr/>
+      </p:nvGrpSpPr>
+      <p:grpSpPr>
+        <a:xfrm>
+          <a:off x="0" y="0"/>
+          <a:ext cx="0" cy="0"/>
+          <a:chOff x="0" y="0"/>
+          <a:chExt cx="0" cy="0"/>
+        </a:xfrm>
+      </p:grpSpPr>
+      <p:pic>
+        <p:nvPicPr>
+          <p:cNvPr id="5" name="Resim 4">
+            <a:extLst>
+              <a:ext uri="{FF2B5EF4-FFF2-40B4-BE49-F238E27FC236}">
+                <a16:creationId xmlns:a16="http://schemas.microsoft.com/office/drawing/2014/main" id="{4809D108-32DF-33E0-0EE5-F0FBDB5F8C3C}"/>
+              </a:ext>
+            </a:extLst>
+          </p:cNvPr>
+          <p:cNvPicPr>
+            <a:picLocks noChangeAspect="1"/>
+          </p:cNvPicPr>
+          <p:nvPr/>
+        </p:nvPicPr>
+        <p:blipFill>
+          <a:blip r:embed="rId2"/>
+          <a:stretch>
+            <a:fillRect/>
+          </a:stretch>
+        </p:blipFill>
+        <p:spPr>
+          <a:xfrm>
+            <a:off x="933064" y="244653"/>
+            <a:ext cx="10325872" cy="6368694"/>
+          </a:xfrm>
+          <a:prstGeom prst="rect">
+            <a:avLst/>
+          </a:prstGeom>
+        </p:spPr>
+      </p:pic>
+    </p:spTree>
+    <p:extLst>
+      <p:ext uri="{BB962C8B-B14F-4D97-AF65-F5344CB8AC3E}">
+        <p14:creationId xmlns:p14="http://schemas.microsoft.com/office/powerpoint/2010/main" val="174540231"/>
+      </p:ext>
+    </p:extLst>
+  </p:cSld>
+  <p:clrMapOvr>
+    <a:masterClrMapping/>
+  </p:clrMapOvr>
+</p:sld>
+</file>
+
+<file path=ppt/slides/slide13.xml><?xml version="1.0" encoding="utf-8"?>
+<p:sld xmlns:a="http://schemas.openxmlformats.org/drawingml/2006/main" xmlns:r="http://schemas.openxmlformats.org/officeDocument/2006/relationships" xmlns:p="http://schemas.openxmlformats.org/presentationml/2006/main">
+  <p:cSld>
+    <p:spTree>
+      <p:nvGrpSpPr>
+        <p:cNvPr id="1" name=""/>
+        <p:cNvGrpSpPr/>
+        <p:nvPr/>
+      </p:nvGrpSpPr>
+      <p:grpSpPr>
+        <a:xfrm>
+          <a:off x="0" y="0"/>
+          <a:ext cx="0" cy="0"/>
+          <a:chOff x="0" y="0"/>
+          <a:chExt cx="0" cy="0"/>
+        </a:xfrm>
+      </p:grpSpPr>
+      <p:sp>
+        <p:nvSpPr>
+          <p:cNvPr id="6" name="İçerik Yer Tutucusu 5">
+            <a:extLst>
+              <a:ext uri="{FF2B5EF4-FFF2-40B4-BE49-F238E27FC236}">
+                <a16:creationId xmlns:a16="http://schemas.microsoft.com/office/drawing/2014/main" id="{9EDAD3C9-375D-358A-113B-4CE4E5D48DAD}"/>
+              </a:ext>
+            </a:extLst>
+          </p:cNvPr>
+          <p:cNvSpPr>
+            <a:spLocks noGrp="1"/>
+          </p:cNvSpPr>
+          <p:nvPr>
+            <p:ph idx="1"/>
+          </p:nvPr>
+        </p:nvSpPr>
+        <p:spPr/>
+        <p:txBody>
+          <a:bodyPr/>
+          <a:lstStyle/>
+          <a:p>
+            <a:endParaRPr lang="tr-TR"/>
+          </a:p>
+        </p:txBody>
+      </p:sp>
+      <p:pic>
+        <p:nvPicPr>
+          <p:cNvPr id="8" name="Resim 7">
+            <a:extLst>
+              <a:ext uri="{FF2B5EF4-FFF2-40B4-BE49-F238E27FC236}">
+                <a16:creationId xmlns:a16="http://schemas.microsoft.com/office/drawing/2014/main" id="{37942517-2527-CACB-ED6C-192F2ACC11B5}"/>
+              </a:ext>
+            </a:extLst>
+          </p:cNvPr>
+          <p:cNvPicPr>
+            <a:picLocks noChangeAspect="1"/>
+          </p:cNvPicPr>
+          <p:nvPr/>
+        </p:nvPicPr>
+        <p:blipFill>
+          <a:blip r:embed="rId2"/>
+          <a:stretch>
+            <a:fillRect/>
+          </a:stretch>
+        </p:blipFill>
+        <p:spPr>
+          <a:xfrm>
+            <a:off x="692768" y="445938"/>
+            <a:ext cx="10661032" cy="6190998"/>
+          </a:xfrm>
+          <a:prstGeom prst="rect">
+            <a:avLst/>
+          </a:prstGeom>
+        </p:spPr>
+      </p:pic>
+    </p:spTree>
+    <p:extLst>
+      <p:ext uri="{BB962C8B-B14F-4D97-AF65-F5344CB8AC3E}">
+        <p14:creationId xmlns:p14="http://schemas.microsoft.com/office/powerpoint/2010/main" val="1734252270"/>
+      </p:ext>
+    </p:extLst>
+  </p:cSld>
+  <p:clrMapOvr>
+    <a:masterClrMapping/>
+  </p:clrMapOvr>
+</p:sld>
+</file>
+
+<file path=ppt/slides/slide14.xml><?xml version="1.0" encoding="utf-8"?>
+<p:sld xmlns:a="http://schemas.openxmlformats.org/drawingml/2006/main" xmlns:r="http://schemas.openxmlformats.org/officeDocument/2006/relationships" xmlns:p="http://schemas.openxmlformats.org/presentationml/2006/main">
+  <p:cSld>
+    <p:spTree>
+      <p:nvGrpSpPr>
+        <p:cNvPr id="1" name=""/>
+        <p:cNvGrpSpPr/>
+        <p:nvPr/>
+      </p:nvGrpSpPr>
+      <p:grpSpPr>
+        <a:xfrm>
+          <a:off x="0" y="0"/>
+          <a:ext cx="0" cy="0"/>
+          <a:chOff x="0" y="0"/>
+          <a:chExt cx="0" cy="0"/>
+        </a:xfrm>
+      </p:grpSpPr>
+      <p:pic>
+        <p:nvPicPr>
+          <p:cNvPr id="9" name="Resim 8">
+            <a:extLst>
+              <a:ext uri="{FF2B5EF4-FFF2-40B4-BE49-F238E27FC236}">
+                <a16:creationId xmlns:a16="http://schemas.microsoft.com/office/drawing/2014/main" id="{3751E778-59D9-A9BA-8E9D-77BCAF53E7AE}"/>
+              </a:ext>
+            </a:extLst>
+          </p:cNvPr>
+          <p:cNvPicPr>
+            <a:picLocks noChangeAspect="1"/>
+          </p:cNvPicPr>
+          <p:nvPr/>
+        </p:nvPicPr>
+        <p:blipFill>
+          <a:blip r:embed="rId2"/>
+          <a:stretch>
+            <a:fillRect/>
+          </a:stretch>
+        </p:blipFill>
+        <p:spPr>
+          <a:xfrm>
+            <a:off x="904551" y="265236"/>
+            <a:ext cx="10382898" cy="6327528"/>
+          </a:xfrm>
+          <a:prstGeom prst="rect">
+            <a:avLst/>
+          </a:prstGeom>
+        </p:spPr>
+      </p:pic>
+    </p:spTree>
+    <p:extLst>
+      <p:ext uri="{BB962C8B-B14F-4D97-AF65-F5344CB8AC3E}">
+        <p14:creationId xmlns:p14="http://schemas.microsoft.com/office/powerpoint/2010/main" val="3754566318"/>
+      </p:ext>
+    </p:extLst>
+  </p:cSld>
+  <p:clrMapOvr>
+    <a:masterClrMapping/>
+  </p:clrMapOvr>
+</p:sld>
+</file>
+
+<file path=ppt/slides/slide15.xml><?xml version="1.0" encoding="utf-8"?>
+<p:sld xmlns:a="http://schemas.openxmlformats.org/drawingml/2006/main" xmlns:r="http://schemas.openxmlformats.org/officeDocument/2006/relationships" xmlns:p="http://schemas.openxmlformats.org/presentationml/2006/main">
+  <p:cSld>
+    <p:spTree>
+      <p:nvGrpSpPr>
+        <p:cNvPr id="1" name=""/>
+        <p:cNvGrpSpPr/>
+        <p:nvPr/>
+      </p:nvGrpSpPr>
+      <p:grpSpPr>
+        <a:xfrm>
+          <a:off x="0" y="0"/>
+          <a:ext cx="0" cy="0"/>
+          <a:chOff x="0" y="0"/>
+          <a:chExt cx="0" cy="0"/>
+        </a:xfrm>
+      </p:grpSpPr>
+      <p:pic>
+        <p:nvPicPr>
+          <p:cNvPr id="5" name="Resim 4">
+            <a:extLst>
+              <a:ext uri="{FF2B5EF4-FFF2-40B4-BE49-F238E27FC236}">
+                <a16:creationId xmlns:a16="http://schemas.microsoft.com/office/drawing/2014/main" id="{078938B8-0745-8BBF-4EC5-9D322FCDB537}"/>
+              </a:ext>
+            </a:extLst>
+          </p:cNvPr>
+          <p:cNvPicPr>
+            <a:picLocks noChangeAspect="1"/>
+          </p:cNvPicPr>
+          <p:nvPr/>
+        </p:nvPicPr>
+        <p:blipFill>
+          <a:blip r:embed="rId2"/>
+          <a:stretch>
+            <a:fillRect/>
+          </a:stretch>
+        </p:blipFill>
+        <p:spPr>
+          <a:xfrm>
+            <a:off x="582805" y="1276139"/>
+            <a:ext cx="11324904" cy="4488619"/>
+          </a:xfrm>
+          <a:prstGeom prst="rect">
+            <a:avLst/>
+          </a:prstGeom>
+        </p:spPr>
+      </p:pic>
+    </p:spTree>
+    <p:extLst>
+      <p:ext uri="{BB962C8B-B14F-4D97-AF65-F5344CB8AC3E}">
+        <p14:creationId xmlns:p14="http://schemas.microsoft.com/office/powerpoint/2010/main" val="3996105876"/>
+      </p:ext>
+    </p:extLst>
+  </p:cSld>
+  <p:clrMapOvr>
+    <a:masterClrMapping/>
+  </p:clrMapOvr>
+</p:sld>
+</file>
+
+<file path=ppt/slides/slide16.xml><?xml version="1.0" encoding="utf-8"?>
+<p:sld xmlns:a="http://schemas.openxmlformats.org/drawingml/2006/main" xmlns:r="http://schemas.openxmlformats.org/officeDocument/2006/relationships" xmlns:p="http://schemas.openxmlformats.org/presentationml/2006/main">
+  <p:cSld>
+    <p:spTree>
+      <p:nvGrpSpPr>
+        <p:cNvPr id="1" name=""/>
+        <p:cNvGrpSpPr/>
+        <p:nvPr/>
+      </p:nvGrpSpPr>
+      <p:grpSpPr>
+        <a:xfrm>
+          <a:off x="0" y="0"/>
+          <a:ext cx="0" cy="0"/>
+          <a:chOff x="0" y="0"/>
+          <a:chExt cx="0" cy="0"/>
+        </a:xfrm>
+      </p:grpSpPr>
+      <p:pic>
+        <p:nvPicPr>
+          <p:cNvPr id="5" name="Resim 4">
+            <a:extLst>
+              <a:ext uri="{FF2B5EF4-FFF2-40B4-BE49-F238E27FC236}">
+                <a16:creationId xmlns:a16="http://schemas.microsoft.com/office/drawing/2014/main" id="{5747F8CE-B2A3-E50F-54E1-2770EE817758}"/>
+              </a:ext>
+            </a:extLst>
+          </p:cNvPr>
+          <p:cNvPicPr>
+            <a:picLocks noChangeAspect="1"/>
+          </p:cNvPicPr>
+          <p:nvPr/>
+        </p:nvPicPr>
+        <p:blipFill>
+          <a:blip r:embed="rId2"/>
+          <a:stretch>
+            <a:fillRect/>
+          </a:stretch>
+        </p:blipFill>
+        <p:spPr>
+          <a:xfrm>
+            <a:off x="577185" y="529255"/>
+            <a:ext cx="10355422" cy="5977051"/>
+          </a:xfrm>
+          <a:prstGeom prst="rect">
+            <a:avLst/>
+          </a:prstGeom>
+        </p:spPr>
+      </p:pic>
+    </p:spTree>
+    <p:extLst>
+      <p:ext uri="{BB962C8B-B14F-4D97-AF65-F5344CB8AC3E}">
+        <p14:creationId xmlns:p14="http://schemas.microsoft.com/office/powerpoint/2010/main" val="3705279006"/>
+      </p:ext>
+    </p:extLst>
+  </p:cSld>
+  <p:clrMapOvr>
+    <a:masterClrMapping/>
+  </p:clrMapOvr>
+</p:sld>
+</file>
+
+<file path=ppt/slides/slide17.xml><?xml version="1.0" encoding="utf-8"?>
+<p:sld xmlns:a="http://schemas.openxmlformats.org/drawingml/2006/main" xmlns:r="http://schemas.openxmlformats.org/officeDocument/2006/relationships" xmlns:p="http://schemas.openxmlformats.org/presentationml/2006/main">
+  <p:cSld>
+    <p:spTree>
+      <p:nvGrpSpPr>
+        <p:cNvPr id="1" name=""/>
+        <p:cNvGrpSpPr/>
+        <p:nvPr/>
+      </p:nvGrpSpPr>
+      <p:grpSpPr>
+        <a:xfrm>
+          <a:off x="0" y="0"/>
+          <a:ext cx="0" cy="0"/>
+          <a:chOff x="0" y="0"/>
+          <a:chExt cx="0" cy="0"/>
+        </a:xfrm>
+      </p:grpSpPr>
+      <p:pic>
+        <p:nvPicPr>
+          <p:cNvPr id="5" name="Resim 4">
+            <a:extLst>
+              <a:ext uri="{FF2B5EF4-FFF2-40B4-BE49-F238E27FC236}">
+                <a16:creationId xmlns:a16="http://schemas.microsoft.com/office/drawing/2014/main" id="{3DA816C4-7160-7582-68B2-ECAE27131F3F}"/>
+              </a:ext>
+            </a:extLst>
+          </p:cNvPr>
+          <p:cNvPicPr>
+            <a:picLocks noChangeAspect="1"/>
+          </p:cNvPicPr>
+          <p:nvPr/>
+        </p:nvPicPr>
+        <p:blipFill>
+          <a:blip r:embed="rId2"/>
+          <a:stretch>
+            <a:fillRect/>
+          </a:stretch>
+        </p:blipFill>
+        <p:spPr>
+          <a:xfrm>
+            <a:off x="703385" y="1088263"/>
+            <a:ext cx="11284299" cy="4916151"/>
+          </a:xfrm>
+          <a:prstGeom prst="rect">
+            <a:avLst/>
+          </a:prstGeom>
+        </p:spPr>
+      </p:pic>
+    </p:spTree>
+    <p:extLst>
+      <p:ext uri="{BB962C8B-B14F-4D97-AF65-F5344CB8AC3E}">
+        <p14:creationId xmlns:p14="http://schemas.microsoft.com/office/powerpoint/2010/main" val="1452656804"/>
+      </p:ext>
+    </p:extLst>
+  </p:cSld>
+  <p:clrMapOvr>
+    <a:masterClrMapping/>
+  </p:clrMapOvr>
+</p:sld>
+</file>
+
 <file path=ppt/slides/slide2.xml><?xml version="1.0" encoding="utf-8"?>
 <p:sld xmlns:a="http://schemas.openxmlformats.org/drawingml/2006/main" xmlns:r="http://schemas.openxmlformats.org/officeDocument/2006/relationships" xmlns:p="http://schemas.openxmlformats.org/presentationml/2006/main">
   <p:cSld>
@@ -3411,8 +3935,8 @@
         </p:blipFill>
         <p:spPr>
           <a:xfrm>
-            <a:off x="2447693" y="862064"/>
-            <a:ext cx="7296613" cy="4351338"/>
+            <a:off x="1967425" y="801773"/>
+            <a:ext cx="8257150" cy="4924155"/>
           </a:xfrm>
         </p:spPr>
       </p:pic>
@@ -3446,60 +3970,424 @@
           <a:chExt cx="0" cy="0"/>
         </a:xfrm>
       </p:grpSpPr>
-      <p:sp>
-        <p:nvSpPr>
-          <p:cNvPr id="2" name="Başlık 1">
-            <a:extLst>
-              <a:ext uri="{FF2B5EF4-FFF2-40B4-BE49-F238E27FC236}">
-                <a16:creationId xmlns:a16="http://schemas.microsoft.com/office/drawing/2014/main" id="{E24A24F9-B4D4-B8E6-4F3E-E2682D202153}"/>
-              </a:ext>
-            </a:extLst>
-          </p:cNvPr>
-          <p:cNvSpPr>
-            <a:spLocks noGrp="1"/>
-          </p:cNvSpPr>
-          <p:nvPr>
-            <p:ph type="title"/>
-          </p:nvPr>
-        </p:nvSpPr>
-        <p:spPr/>
-        <p:txBody>
-          <a:bodyPr/>
-          <a:lstStyle/>
-          <a:p>
-            <a:endParaRPr lang="tr-TR" dirty="0"/>
-          </a:p>
-        </p:txBody>
-      </p:sp>
-      <p:sp>
-        <p:nvSpPr>
-          <p:cNvPr id="3" name="İçerik Yer Tutucusu 2">
-            <a:extLst>
-              <a:ext uri="{FF2B5EF4-FFF2-40B4-BE49-F238E27FC236}">
-                <a16:creationId xmlns:a16="http://schemas.microsoft.com/office/drawing/2014/main" id="{48340A18-A2D8-495A-F052-598921B62BC3}"/>
-              </a:ext>
-            </a:extLst>
-          </p:cNvPr>
-          <p:cNvSpPr>
-            <a:spLocks noGrp="1"/>
-          </p:cNvSpPr>
+      <p:pic>
+        <p:nvPicPr>
+          <p:cNvPr id="9" name="İçerik Yer Tutucusu 8" descr="metin, çizgi, yazılım, yazı tipi içeren bir resim&#10;&#10;Açıklama otomatik olarak oluşturuldu">
+            <a:extLst>
+              <a:ext uri="{FF2B5EF4-FFF2-40B4-BE49-F238E27FC236}">
+                <a16:creationId xmlns:a16="http://schemas.microsoft.com/office/drawing/2014/main" id="{98137F1C-C4C4-111B-B0C0-6B7D52BCD82F}"/>
+              </a:ext>
+            </a:extLst>
+          </p:cNvPr>
+          <p:cNvPicPr>
+            <a:picLocks noGrp="1" noChangeAspect="1"/>
+          </p:cNvPicPr>
           <p:nvPr>
             <p:ph idx="1"/>
           </p:nvPr>
-        </p:nvSpPr>
-        <p:spPr/>
-        <p:txBody>
-          <a:bodyPr/>
-          <a:lstStyle/>
-          <a:p>
-            <a:endParaRPr lang="tr-TR"/>
-          </a:p>
-        </p:txBody>
-      </p:sp>
+        </p:nvPicPr>
+        <p:blipFill>
+          <a:blip r:embed="rId2">
+            <a:extLst>
+              <a:ext uri="{28A0092B-C50C-407E-A947-70E740481C1C}">
+                <a14:useLocalDpi xmlns:a14="http://schemas.microsoft.com/office/drawing/2010/main" val="0"/>
+              </a:ext>
+            </a:extLst>
+          </a:blip>
+          <a:stretch>
+            <a:fillRect/>
+          </a:stretch>
+        </p:blipFill>
+        <p:spPr>
+          <a:xfrm>
+            <a:off x="978535" y="1253331"/>
+            <a:ext cx="10234930" cy="4351338"/>
+          </a:xfrm>
+        </p:spPr>
+      </p:pic>
     </p:spTree>
     <p:extLst>
       <p:ext uri="{BB962C8B-B14F-4D97-AF65-F5344CB8AC3E}">
         <p14:creationId xmlns:p14="http://schemas.microsoft.com/office/powerpoint/2010/main" val="3262144899"/>
+      </p:ext>
+    </p:extLst>
+  </p:cSld>
+  <p:clrMapOvr>
+    <a:masterClrMapping/>
+  </p:clrMapOvr>
+</p:sld>
+</file>
+
+<file path=ppt/slides/slide4.xml><?xml version="1.0" encoding="utf-8"?>
+<p:sld xmlns:a="http://schemas.openxmlformats.org/drawingml/2006/main" xmlns:r="http://schemas.openxmlformats.org/officeDocument/2006/relationships" xmlns:p="http://schemas.openxmlformats.org/presentationml/2006/main">
+  <p:cSld>
+    <p:spTree>
+      <p:nvGrpSpPr>
+        <p:cNvPr id="1" name=""/>
+        <p:cNvGrpSpPr/>
+        <p:nvPr/>
+      </p:nvGrpSpPr>
+      <p:grpSpPr>
+        <a:xfrm>
+          <a:off x="0" y="0"/>
+          <a:ext cx="0" cy="0"/>
+          <a:chOff x="0" y="0"/>
+          <a:chExt cx="0" cy="0"/>
+        </a:xfrm>
+      </p:grpSpPr>
+      <p:pic>
+        <p:nvPicPr>
+          <p:cNvPr id="5" name="İçerik Yer Tutucusu 4" descr="metin, ekran görüntüsü, yazılım, multimedya yazılımı içeren bir resim&#10;&#10;Açıklama otomatik olarak oluşturuldu">
+            <a:extLst>
+              <a:ext uri="{FF2B5EF4-FFF2-40B4-BE49-F238E27FC236}">
+                <a16:creationId xmlns:a16="http://schemas.microsoft.com/office/drawing/2014/main" id="{A0E78316-A10D-263C-165B-05ED3F30E59F}"/>
+              </a:ext>
+            </a:extLst>
+          </p:cNvPr>
+          <p:cNvPicPr>
+            <a:picLocks noGrp="1" noChangeAspect="1"/>
+          </p:cNvPicPr>
+          <p:nvPr>
+            <p:ph idx="1"/>
+          </p:nvPr>
+        </p:nvPicPr>
+        <p:blipFill>
+          <a:blip r:embed="rId2">
+            <a:extLst>
+              <a:ext uri="{28A0092B-C50C-407E-A947-70E740481C1C}">
+                <a14:useLocalDpi xmlns:a14="http://schemas.microsoft.com/office/drawing/2010/main" val="0"/>
+              </a:ext>
+            </a:extLst>
+          </a:blip>
+          <a:stretch>
+            <a:fillRect/>
+          </a:stretch>
+        </p:blipFill>
+        <p:spPr>
+          <a:xfrm>
+            <a:off x="2152465" y="730353"/>
+            <a:ext cx="7887070" cy="4846481"/>
+          </a:xfrm>
+        </p:spPr>
+      </p:pic>
+    </p:spTree>
+    <p:extLst>
+      <p:ext uri="{BB962C8B-B14F-4D97-AF65-F5344CB8AC3E}">
+        <p14:creationId xmlns:p14="http://schemas.microsoft.com/office/powerpoint/2010/main" val="3793285385"/>
+      </p:ext>
+    </p:extLst>
+  </p:cSld>
+  <p:clrMapOvr>
+    <a:masterClrMapping/>
+  </p:clrMapOvr>
+</p:sld>
+</file>
+
+<file path=ppt/slides/slide5.xml><?xml version="1.0" encoding="utf-8"?>
+<p:sld xmlns:a="http://schemas.openxmlformats.org/drawingml/2006/main" xmlns:r="http://schemas.openxmlformats.org/officeDocument/2006/relationships" xmlns:p="http://schemas.openxmlformats.org/presentationml/2006/main">
+  <p:cSld>
+    <p:spTree>
+      <p:nvGrpSpPr>
+        <p:cNvPr id="1" name=""/>
+        <p:cNvGrpSpPr/>
+        <p:nvPr/>
+      </p:nvGrpSpPr>
+      <p:grpSpPr>
+        <a:xfrm>
+          <a:off x="0" y="0"/>
+          <a:ext cx="0" cy="0"/>
+          <a:chOff x="0" y="0"/>
+          <a:chExt cx="0" cy="0"/>
+        </a:xfrm>
+      </p:grpSpPr>
+      <p:pic>
+        <p:nvPicPr>
+          <p:cNvPr id="5" name="İçerik Yer Tutucusu 4" descr="metin, ekran görüntüsü, yazılım, multimedya yazılımı içeren bir resim&#10;&#10;Açıklama otomatik olarak oluşturuldu">
+            <a:extLst>
+              <a:ext uri="{FF2B5EF4-FFF2-40B4-BE49-F238E27FC236}">
+                <a16:creationId xmlns:a16="http://schemas.microsoft.com/office/drawing/2014/main" id="{21605693-5A26-8C12-5D84-27E0EEDE2E35}"/>
+              </a:ext>
+            </a:extLst>
+          </p:cNvPr>
+          <p:cNvPicPr>
+            <a:picLocks noGrp="1" noChangeAspect="1"/>
+          </p:cNvPicPr>
+          <p:nvPr>
+            <p:ph idx="1"/>
+          </p:nvPr>
+        </p:nvPicPr>
+        <p:blipFill>
+          <a:blip r:embed="rId2">
+            <a:extLst>
+              <a:ext uri="{28A0092B-C50C-407E-A947-70E740481C1C}">
+                <a14:useLocalDpi xmlns:a14="http://schemas.microsoft.com/office/drawing/2010/main" val="0"/>
+              </a:ext>
+            </a:extLst>
+          </a:blip>
+          <a:stretch>
+            <a:fillRect/>
+          </a:stretch>
+        </p:blipFill>
+        <p:spPr>
+          <a:xfrm>
+            <a:off x="1952783" y="710258"/>
+            <a:ext cx="8286433" cy="5077592"/>
+          </a:xfrm>
+        </p:spPr>
+      </p:pic>
+    </p:spTree>
+    <p:extLst>
+      <p:ext uri="{BB962C8B-B14F-4D97-AF65-F5344CB8AC3E}">
+        <p14:creationId xmlns:p14="http://schemas.microsoft.com/office/powerpoint/2010/main" val="3882309608"/>
+      </p:ext>
+    </p:extLst>
+  </p:cSld>
+  <p:clrMapOvr>
+    <a:masterClrMapping/>
+  </p:clrMapOvr>
+</p:sld>
+</file>
+
+<file path=ppt/slides/slide6.xml><?xml version="1.0" encoding="utf-8"?>
+<p:sld xmlns:a="http://schemas.openxmlformats.org/drawingml/2006/main" xmlns:r="http://schemas.openxmlformats.org/officeDocument/2006/relationships" xmlns:p="http://schemas.openxmlformats.org/presentationml/2006/main">
+  <p:cSld>
+    <p:spTree>
+      <p:nvGrpSpPr>
+        <p:cNvPr id="1" name=""/>
+        <p:cNvGrpSpPr/>
+        <p:nvPr/>
+      </p:nvGrpSpPr>
+      <p:grpSpPr>
+        <a:xfrm>
+          <a:off x="0" y="0"/>
+          <a:ext cx="0" cy="0"/>
+          <a:chOff x="0" y="0"/>
+          <a:chExt cx="0" cy="0"/>
+        </a:xfrm>
+      </p:grpSpPr>
+      <p:pic>
+        <p:nvPicPr>
+          <p:cNvPr id="9" name="İçerik Yer Tutucusu 8" descr="metin, ekran görüntüsü, yazılım, multimedya yazılımı içeren bir resim&#10;&#10;Açıklama otomatik olarak oluşturuldu">
+            <a:extLst>
+              <a:ext uri="{FF2B5EF4-FFF2-40B4-BE49-F238E27FC236}">
+                <a16:creationId xmlns:a16="http://schemas.microsoft.com/office/drawing/2014/main" id="{0CEB6840-CEF1-A500-2FAD-4FBDCE0106A9}"/>
+              </a:ext>
+            </a:extLst>
+          </p:cNvPr>
+          <p:cNvPicPr>
+            <a:picLocks noGrp="1" noChangeAspect="1"/>
+          </p:cNvPicPr>
+          <p:nvPr>
+            <p:ph idx="1"/>
+          </p:nvPr>
+        </p:nvPicPr>
+        <p:blipFill>
+          <a:blip r:embed="rId2">
+            <a:extLst>
+              <a:ext uri="{28A0092B-C50C-407E-A947-70E740481C1C}">
+                <a14:useLocalDpi xmlns:a14="http://schemas.microsoft.com/office/drawing/2010/main" val="0"/>
+              </a:ext>
+            </a:extLst>
+          </a:blip>
+          <a:stretch>
+            <a:fillRect/>
+          </a:stretch>
+        </p:blipFill>
+        <p:spPr>
+          <a:xfrm>
+            <a:off x="1873386" y="680113"/>
+            <a:ext cx="8676745" cy="5157980"/>
+          </a:xfrm>
+        </p:spPr>
+      </p:pic>
+    </p:spTree>
+    <p:extLst>
+      <p:ext uri="{BB962C8B-B14F-4D97-AF65-F5344CB8AC3E}">
+        <p14:creationId xmlns:p14="http://schemas.microsoft.com/office/powerpoint/2010/main" val="3525682109"/>
+      </p:ext>
+    </p:extLst>
+  </p:cSld>
+  <p:clrMapOvr>
+    <a:masterClrMapping/>
+  </p:clrMapOvr>
+</p:sld>
+</file>
+
+<file path=ppt/slides/slide7.xml><?xml version="1.0" encoding="utf-8"?>
+<p:sld xmlns:a="http://schemas.openxmlformats.org/drawingml/2006/main" xmlns:r="http://schemas.openxmlformats.org/officeDocument/2006/relationships" xmlns:p="http://schemas.openxmlformats.org/presentationml/2006/main">
+  <p:cSld>
+    <p:spTree>
+      <p:nvGrpSpPr>
+        <p:cNvPr id="1" name=""/>
+        <p:cNvGrpSpPr/>
+        <p:nvPr/>
+      </p:nvGrpSpPr>
+      <p:grpSpPr>
+        <a:xfrm>
+          <a:off x="0" y="0"/>
+          <a:ext cx="0" cy="0"/>
+          <a:chOff x="0" y="0"/>
+          <a:chExt cx="0" cy="0"/>
+        </a:xfrm>
+      </p:grpSpPr>
+      <p:pic>
+        <p:nvPicPr>
+          <p:cNvPr id="5" name="İçerik Yer Tutucusu 4" descr="metin, yazılım, bilgisayar simgesi, web sayfası içeren bir resim&#10;&#10;Açıklama otomatik olarak oluşturuldu">
+            <a:extLst>
+              <a:ext uri="{FF2B5EF4-FFF2-40B4-BE49-F238E27FC236}">
+                <a16:creationId xmlns:a16="http://schemas.microsoft.com/office/drawing/2014/main" id="{910A8B1B-7B1A-FF71-9CCF-30D6DEBEE1FF}"/>
+              </a:ext>
+            </a:extLst>
+          </p:cNvPr>
+          <p:cNvPicPr>
+            <a:picLocks noGrp="1" noChangeAspect="1"/>
+          </p:cNvPicPr>
+          <p:nvPr>
+            <p:ph idx="1"/>
+          </p:nvPr>
+        </p:nvPicPr>
+        <p:blipFill>
+          <a:blip r:embed="rId2">
+            <a:extLst>
+              <a:ext uri="{28A0092B-C50C-407E-A947-70E740481C1C}">
+                <a14:useLocalDpi xmlns:a14="http://schemas.microsoft.com/office/drawing/2010/main" val="0"/>
+              </a:ext>
+            </a:extLst>
+          </a:blip>
+          <a:stretch>
+            <a:fillRect/>
+          </a:stretch>
+        </p:blipFill>
+        <p:spPr>
+          <a:xfrm>
+            <a:off x="1744960" y="1112192"/>
+            <a:ext cx="8360435" cy="4351338"/>
+          </a:xfrm>
+        </p:spPr>
+      </p:pic>
+    </p:spTree>
+    <p:extLst>
+      <p:ext uri="{BB962C8B-B14F-4D97-AF65-F5344CB8AC3E}">
+        <p14:creationId xmlns:p14="http://schemas.microsoft.com/office/powerpoint/2010/main" val="2943082987"/>
+      </p:ext>
+    </p:extLst>
+  </p:cSld>
+  <p:clrMapOvr>
+    <a:masterClrMapping/>
+  </p:clrMapOvr>
+</p:sld>
+</file>
+
+<file path=ppt/slides/slide8.xml><?xml version="1.0" encoding="utf-8"?>
+<p:sld xmlns:a="http://schemas.openxmlformats.org/drawingml/2006/main" xmlns:r="http://schemas.openxmlformats.org/officeDocument/2006/relationships" xmlns:p="http://schemas.openxmlformats.org/presentationml/2006/main">
+  <p:cSld>
+    <p:spTree>
+      <p:nvGrpSpPr>
+        <p:cNvPr id="1" name=""/>
+        <p:cNvGrpSpPr/>
+        <p:nvPr/>
+      </p:nvGrpSpPr>
+      <p:grpSpPr>
+        <a:xfrm>
+          <a:off x="0" y="0"/>
+          <a:ext cx="0" cy="0"/>
+          <a:chOff x="0" y="0"/>
+          <a:chExt cx="0" cy="0"/>
+        </a:xfrm>
+      </p:grpSpPr>
+      <p:pic>
+        <p:nvPicPr>
+          <p:cNvPr id="5" name="İçerik Yer Tutucusu 4">
+            <a:extLst>
+              <a:ext uri="{FF2B5EF4-FFF2-40B4-BE49-F238E27FC236}">
+                <a16:creationId xmlns:a16="http://schemas.microsoft.com/office/drawing/2014/main" id="{01F47A53-E691-3A1B-1742-068BDD16B66C}"/>
+              </a:ext>
+            </a:extLst>
+          </p:cNvPr>
+          <p:cNvPicPr>
+            <a:picLocks noGrp="1" noChangeAspect="1"/>
+          </p:cNvPicPr>
+          <p:nvPr>
+            <p:ph idx="1"/>
+          </p:nvPr>
+        </p:nvPicPr>
+        <p:blipFill>
+          <a:blip r:embed="rId2"/>
+          <a:stretch>
+            <a:fillRect/>
+          </a:stretch>
+        </p:blipFill>
+        <p:spPr>
+          <a:xfrm>
+            <a:off x="1664004" y="940445"/>
+            <a:ext cx="8529653" cy="4977109"/>
+          </a:xfrm>
+        </p:spPr>
+      </p:pic>
+    </p:spTree>
+    <p:extLst>
+      <p:ext uri="{BB962C8B-B14F-4D97-AF65-F5344CB8AC3E}">
+        <p14:creationId xmlns:p14="http://schemas.microsoft.com/office/powerpoint/2010/main" val="3698004147"/>
+      </p:ext>
+    </p:extLst>
+  </p:cSld>
+  <p:clrMapOvr>
+    <a:masterClrMapping/>
+  </p:clrMapOvr>
+</p:sld>
+</file>
+
+<file path=ppt/slides/slide9.xml><?xml version="1.0" encoding="utf-8"?>
+<p:sld xmlns:a="http://schemas.openxmlformats.org/drawingml/2006/main" xmlns:r="http://schemas.openxmlformats.org/officeDocument/2006/relationships" xmlns:p="http://schemas.openxmlformats.org/presentationml/2006/main">
+  <p:cSld>
+    <p:spTree>
+      <p:nvGrpSpPr>
+        <p:cNvPr id="1" name=""/>
+        <p:cNvGrpSpPr/>
+        <p:nvPr/>
+      </p:nvGrpSpPr>
+      <p:grpSpPr>
+        <a:xfrm>
+          <a:off x="0" y="0"/>
+          <a:ext cx="0" cy="0"/>
+          <a:chOff x="0" y="0"/>
+          <a:chExt cx="0" cy="0"/>
+        </a:xfrm>
+      </p:grpSpPr>
+      <p:pic>
+        <p:nvPicPr>
+          <p:cNvPr id="5" name="Resim 4">
+            <a:extLst>
+              <a:ext uri="{FF2B5EF4-FFF2-40B4-BE49-F238E27FC236}">
+                <a16:creationId xmlns:a16="http://schemas.microsoft.com/office/drawing/2014/main" id="{6047CCB8-C6BA-3EDD-48E4-F6C57CFEFC79}"/>
+              </a:ext>
+            </a:extLst>
+          </p:cNvPr>
+          <p:cNvPicPr>
+            <a:picLocks noChangeAspect="1"/>
+          </p:cNvPicPr>
+          <p:nvPr/>
+        </p:nvPicPr>
+        <p:blipFill>
+          <a:blip r:embed="rId2"/>
+          <a:stretch>
+            <a:fillRect/>
+          </a:stretch>
+        </p:blipFill>
+        <p:spPr>
+          <a:xfrm>
+            <a:off x="572756" y="1314477"/>
+            <a:ext cx="11314444" cy="4410339"/>
+          </a:xfrm>
+          <a:prstGeom prst="rect">
+            <a:avLst/>
+          </a:prstGeom>
+        </p:spPr>
+      </p:pic>
+    </p:spTree>
+    <p:extLst>
+      <p:ext uri="{BB962C8B-B14F-4D97-AF65-F5344CB8AC3E}">
+        <p14:creationId xmlns:p14="http://schemas.microsoft.com/office/powerpoint/2010/main" val="1444799137"/>
       </p:ext>
     </p:extLst>
   </p:cSld>
